--- a/final_project/final_presentation.pptx
+++ b/final_project/final_presentation.pptx
@@ -115,6 +115,11 @@
       </a:defRPr>
     </a:lvl9pPr>
   </p:defaultTextStyle>
+  <p:extLst>
+    <p:ext uri="{EFAFB233-063F-42B5-8137-9DF3F51BA10A}">
+      <p15:sldGuideLst xmlns:p15="http://schemas.microsoft.com/office/powerpoint/2012/main"/>
+    </p:ext>
+  </p:extLst>
 </p:presentation>
 </file>
 
@@ -4915,7 +4920,7 @@
             </a:pPr>
             <a:r>
               <a:rPr lang="en-US" sz="2400" dirty="0"/>
-              <a:t>In order to visualize the correlation between a player’s overall draft pick spot and their points per game productivity, these variables were shown in a scatter plot. Additionally, a regression was ran that predicts the number of points a player will score per game with their a two degree polynomial of their overall draft position and a categorical variables of their position.</a:t>
+              <a:t>In order to visualize the correlation between a player’s overall draft pick spot and their points per game productivity, these variables were shown in a scatter plot. Additionally, a regression was ran that predicts the number of points a player will score per game with a two degree polynomial of their overall draft position and  categorical variables of their position.</a:t>
             </a:r>
           </a:p>
         </p:txBody>

--- a/final_project/final_presentation.pptx
+++ b/final_project/final_presentation.pptx
@@ -270,7 +270,7 @@
           <a:p>
             <a:fld id="{2B55D8F1-A9BF-4B46-A478-2E1B77C65CFD}" type="datetimeFigureOut">
               <a:rPr lang="en-US" smtClean="0"/>
-              <a:t>4/26/2020</a:t>
+              <a:t>4/27/2020</a:t>
             </a:fld>
             <a:endParaRPr lang="en-US"/>
           </a:p>
@@ -468,7 +468,7 @@
           <a:p>
             <a:fld id="{2B55D8F1-A9BF-4B46-A478-2E1B77C65CFD}" type="datetimeFigureOut">
               <a:rPr lang="en-US" smtClean="0"/>
-              <a:t>4/26/2020</a:t>
+              <a:t>4/27/2020</a:t>
             </a:fld>
             <a:endParaRPr lang="en-US"/>
           </a:p>
@@ -676,7 +676,7 @@
           <a:p>
             <a:fld id="{2B55D8F1-A9BF-4B46-A478-2E1B77C65CFD}" type="datetimeFigureOut">
               <a:rPr lang="en-US" smtClean="0"/>
-              <a:t>4/26/2020</a:t>
+              <a:t>4/27/2020</a:t>
             </a:fld>
             <a:endParaRPr lang="en-US"/>
           </a:p>
@@ -874,7 +874,7 @@
           <a:p>
             <a:fld id="{2B55D8F1-A9BF-4B46-A478-2E1B77C65CFD}" type="datetimeFigureOut">
               <a:rPr lang="en-US" smtClean="0"/>
-              <a:t>4/26/2020</a:t>
+              <a:t>4/27/2020</a:t>
             </a:fld>
             <a:endParaRPr lang="en-US"/>
           </a:p>
@@ -1149,7 +1149,7 @@
           <a:p>
             <a:fld id="{2B55D8F1-A9BF-4B46-A478-2E1B77C65CFD}" type="datetimeFigureOut">
               <a:rPr lang="en-US" smtClean="0"/>
-              <a:t>4/26/2020</a:t>
+              <a:t>4/27/2020</a:t>
             </a:fld>
             <a:endParaRPr lang="en-US"/>
           </a:p>
@@ -1414,7 +1414,7 @@
           <a:p>
             <a:fld id="{2B55D8F1-A9BF-4B46-A478-2E1B77C65CFD}" type="datetimeFigureOut">
               <a:rPr lang="en-US" smtClean="0"/>
-              <a:t>4/26/2020</a:t>
+              <a:t>4/27/2020</a:t>
             </a:fld>
             <a:endParaRPr lang="en-US"/>
           </a:p>
@@ -1826,7 +1826,7 @@
           <a:p>
             <a:fld id="{2B55D8F1-A9BF-4B46-A478-2E1B77C65CFD}" type="datetimeFigureOut">
               <a:rPr lang="en-US" smtClean="0"/>
-              <a:t>4/26/2020</a:t>
+              <a:t>4/27/2020</a:t>
             </a:fld>
             <a:endParaRPr lang="en-US"/>
           </a:p>
@@ -1967,7 +1967,7 @@
           <a:p>
             <a:fld id="{2B55D8F1-A9BF-4B46-A478-2E1B77C65CFD}" type="datetimeFigureOut">
               <a:rPr lang="en-US" smtClean="0"/>
-              <a:t>4/26/2020</a:t>
+              <a:t>4/27/2020</a:t>
             </a:fld>
             <a:endParaRPr lang="en-US"/>
           </a:p>
@@ -2080,7 +2080,7 @@
           <a:p>
             <a:fld id="{2B55D8F1-A9BF-4B46-A478-2E1B77C65CFD}" type="datetimeFigureOut">
               <a:rPr lang="en-US" smtClean="0"/>
-              <a:t>4/26/2020</a:t>
+              <a:t>4/27/2020</a:t>
             </a:fld>
             <a:endParaRPr lang="en-US"/>
           </a:p>
@@ -2391,7 +2391,7 @@
           <a:p>
             <a:fld id="{2B55D8F1-A9BF-4B46-A478-2E1B77C65CFD}" type="datetimeFigureOut">
               <a:rPr lang="en-US" smtClean="0"/>
-              <a:t>4/26/2020</a:t>
+              <a:t>4/27/2020</a:t>
             </a:fld>
             <a:endParaRPr lang="en-US"/>
           </a:p>
@@ -2679,7 +2679,7 @@
           <a:p>
             <a:fld id="{2B55D8F1-A9BF-4B46-A478-2E1B77C65CFD}" type="datetimeFigureOut">
               <a:rPr lang="en-US" smtClean="0"/>
-              <a:t>4/26/2020</a:t>
+              <a:t>4/27/2020</a:t>
             </a:fld>
             <a:endParaRPr lang="en-US"/>
           </a:p>
@@ -2929,7 +2929,7 @@
           <a:p>
             <a:fld id="{2B55D8F1-A9BF-4B46-A478-2E1B77C65CFD}" type="datetimeFigureOut">
               <a:rPr lang="en-US" smtClean="0"/>
-              <a:t>4/26/2020</a:t>
+              <a:t>4/27/2020</a:t>
             </a:fld>
             <a:endParaRPr lang="en-US"/>
           </a:p>
@@ -5138,15 +5138,15 @@
       </p:sp>
       <p:pic>
         <p:nvPicPr>
-          <p:cNvPr id="7170" name="Picture 2">
-            <a:extLst>
-              <a:ext uri="{FF2B5EF4-FFF2-40B4-BE49-F238E27FC236}">
-                <a16:creationId xmlns:a16="http://schemas.microsoft.com/office/drawing/2014/main" id="{E8AB2490-B061-4347-A646-7205CA690BDD}"/>
+          <p:cNvPr id="6" name="Picture 5">
+            <a:extLst>
+              <a:ext uri="{FF2B5EF4-FFF2-40B4-BE49-F238E27FC236}">
+                <a16:creationId xmlns:a16="http://schemas.microsoft.com/office/drawing/2014/main" id="{65D96198-FE19-4992-8FDE-4CFB2D32C699}"/>
               </a:ext>
             </a:extLst>
           </p:cNvPr>
           <p:cNvPicPr>
-            <a:picLocks noChangeAspect="1" noChangeArrowheads="1"/>
+            <a:picLocks noChangeAspect="1"/>
           </p:cNvPicPr>
           <p:nvPr/>
         </p:nvPicPr>
@@ -5158,29 +5158,18 @@
               </a:ext>
             </a:extLst>
           </a:blip>
-          <a:srcRect/>
           <a:stretch>
             <a:fillRect/>
           </a:stretch>
         </p:blipFill>
-        <p:spPr bwMode="auto">
+        <p:spPr>
           <a:xfrm>
-            <a:off x="838200" y="4596833"/>
-            <a:ext cx="10333370" cy="749300"/>
+            <a:off x="1581822" y="4617187"/>
+            <a:ext cx="9771978" cy="708592"/>
           </a:xfrm>
           <a:prstGeom prst="rect">
             <a:avLst/>
           </a:prstGeom>
-          <a:noFill/>
-          <a:extLst>
-            <a:ext uri="{909E8E84-426E-40DD-AFC4-6F175D3DCCD1}">
-              <a14:hiddenFill xmlns:a14="http://schemas.microsoft.com/office/drawing/2010/main">
-                <a:solidFill>
-                  <a:srgbClr val="FFFFFF"/>
-                </a:solidFill>
-              </a14:hiddenFill>
-            </a:ext>
-          </a:extLst>
         </p:spPr>
       </p:pic>
     </p:spTree>
